--- a/Monograph/フローチャート_Init.pptx
+++ b/Monograph/フローチャート_Init.pptx
@@ -243,7 +243,7 @@
           <a:p>
             <a:fld id="{55702D63-87CA-414E-9F6B-FC6B547EA082}" type="datetimeFigureOut">
               <a:rPr kumimoji="1" lang="ja-JP" altLang="en-US" smtClean="0"/>
-              <a:t>2016/2/7</a:t>
+              <a:t>2016/2/8</a:t>
             </a:fld>
             <a:endParaRPr kumimoji="1" lang="ja-JP" altLang="en-US"/>
           </a:p>
@@ -445,7 +445,7 @@
           <a:p>
             <a:fld id="{55702D63-87CA-414E-9F6B-FC6B547EA082}" type="datetimeFigureOut">
               <a:rPr kumimoji="1" lang="ja-JP" altLang="en-US" smtClean="0"/>
-              <a:t>2016/2/7</a:t>
+              <a:t>2016/2/8</a:t>
             </a:fld>
             <a:endParaRPr kumimoji="1" lang="ja-JP" altLang="en-US"/>
           </a:p>
@@ -657,7 +657,7 @@
           <a:p>
             <a:fld id="{55702D63-87CA-414E-9F6B-FC6B547EA082}" type="datetimeFigureOut">
               <a:rPr kumimoji="1" lang="ja-JP" altLang="en-US" smtClean="0"/>
-              <a:t>2016/2/7</a:t>
+              <a:t>2016/2/8</a:t>
             </a:fld>
             <a:endParaRPr kumimoji="1" lang="ja-JP" altLang="en-US"/>
           </a:p>
@@ -859,7 +859,7 @@
           <a:p>
             <a:fld id="{55702D63-87CA-414E-9F6B-FC6B547EA082}" type="datetimeFigureOut">
               <a:rPr kumimoji="1" lang="ja-JP" altLang="en-US" smtClean="0"/>
-              <a:t>2016/2/7</a:t>
+              <a:t>2016/2/8</a:t>
             </a:fld>
             <a:endParaRPr kumimoji="1" lang="ja-JP" altLang="en-US"/>
           </a:p>
@@ -1103,7 +1103,7 @@
           <a:p>
             <a:fld id="{55702D63-87CA-414E-9F6B-FC6B547EA082}" type="datetimeFigureOut">
               <a:rPr kumimoji="1" lang="ja-JP" altLang="en-US" smtClean="0"/>
-              <a:t>2016/2/7</a:t>
+              <a:t>2016/2/8</a:t>
             </a:fld>
             <a:endParaRPr kumimoji="1" lang="ja-JP" altLang="en-US"/>
           </a:p>
@@ -1399,7 +1399,7 @@
           <a:p>
             <a:fld id="{55702D63-87CA-414E-9F6B-FC6B547EA082}" type="datetimeFigureOut">
               <a:rPr kumimoji="1" lang="ja-JP" altLang="en-US" smtClean="0"/>
-              <a:t>2016/2/7</a:t>
+              <a:t>2016/2/8</a:t>
             </a:fld>
             <a:endParaRPr kumimoji="1" lang="ja-JP" altLang="en-US"/>
           </a:p>
@@ -1830,7 +1830,7 @@
           <a:p>
             <a:fld id="{55702D63-87CA-414E-9F6B-FC6B547EA082}" type="datetimeFigureOut">
               <a:rPr kumimoji="1" lang="ja-JP" altLang="en-US" smtClean="0"/>
-              <a:t>2016/2/7</a:t>
+              <a:t>2016/2/8</a:t>
             </a:fld>
             <a:endParaRPr kumimoji="1" lang="ja-JP" altLang="en-US"/>
           </a:p>
@@ -1948,7 +1948,7 @@
           <a:p>
             <a:fld id="{55702D63-87CA-414E-9F6B-FC6B547EA082}" type="datetimeFigureOut">
               <a:rPr kumimoji="1" lang="ja-JP" altLang="en-US" smtClean="0"/>
-              <a:t>2016/2/7</a:t>
+              <a:t>2016/2/8</a:t>
             </a:fld>
             <a:endParaRPr kumimoji="1" lang="ja-JP" altLang="en-US"/>
           </a:p>
@@ -2043,7 +2043,7 @@
           <a:p>
             <a:fld id="{55702D63-87CA-414E-9F6B-FC6B547EA082}" type="datetimeFigureOut">
               <a:rPr kumimoji="1" lang="ja-JP" altLang="en-US" smtClean="0"/>
-              <a:t>2016/2/7</a:t>
+              <a:t>2016/2/8</a:t>
             </a:fld>
             <a:endParaRPr kumimoji="1" lang="ja-JP" altLang="en-US"/>
           </a:p>
@@ -2352,7 +2352,7 @@
           <a:p>
             <a:fld id="{55702D63-87CA-414E-9F6B-FC6B547EA082}" type="datetimeFigureOut">
               <a:rPr kumimoji="1" lang="ja-JP" altLang="en-US" smtClean="0"/>
-              <a:t>2016/2/7</a:t>
+              <a:t>2016/2/8</a:t>
             </a:fld>
             <a:endParaRPr kumimoji="1" lang="ja-JP" altLang="en-US"/>
           </a:p>
@@ -2609,7 +2609,7 @@
           <a:p>
             <a:fld id="{55702D63-87CA-414E-9F6B-FC6B547EA082}" type="datetimeFigureOut">
               <a:rPr kumimoji="1" lang="ja-JP" altLang="en-US" smtClean="0"/>
-              <a:t>2016/2/7</a:t>
+              <a:t>2016/2/8</a:t>
             </a:fld>
             <a:endParaRPr kumimoji="1" lang="ja-JP" altLang="en-US"/>
           </a:p>
@@ -2854,7 +2854,7 @@
           <a:p>
             <a:fld id="{55702D63-87CA-414E-9F6B-FC6B547EA082}" type="datetimeFigureOut">
               <a:rPr kumimoji="1" lang="ja-JP" altLang="en-US" smtClean="0"/>
-              <a:t>2016/2/7</a:t>
+              <a:t>2016/2/8</a:t>
             </a:fld>
             <a:endParaRPr kumimoji="1" lang="ja-JP" altLang="en-US"/>
           </a:p>
@@ -3297,8 +3297,8 @@
           </a:p>
         </p:txBody>
       </p:sp>
-      <mc:AlternateContent xmlns:mc="http://schemas.openxmlformats.org/markup-compatibility/2006">
-        <mc:Choice xmlns:a14="http://schemas.microsoft.com/office/drawing/2010/main" Requires="a14">
+      <mc:AlternateContent xmlns:mc="http://schemas.openxmlformats.org/markup-compatibility/2006" xmlns:a14="http://schemas.microsoft.com/office/drawing/2010/main">
+        <mc:Choice Requires="a14">
           <p:sp>
             <p:nvSpPr>
               <p:cNvPr id="4" name="フローチャート: 端子 3"/>
@@ -3410,7 +3410,7 @@
             </p:txBody>
           </p:sp>
         </mc:Choice>
-        <mc:Fallback>
+        <mc:Fallback xmlns="">
           <p:sp>
             <p:nvSpPr>
               <p:cNvPr id="4" name="フローチャート: 端子 3"/>
@@ -3454,8 +3454,8 @@
           </p:sp>
         </mc:Fallback>
       </mc:AlternateContent>
-      <mc:AlternateContent xmlns:mc="http://schemas.openxmlformats.org/markup-compatibility/2006">
-        <mc:Choice xmlns:a14="http://schemas.microsoft.com/office/drawing/2010/main" Requires="a14">
+      <mc:AlternateContent xmlns:mc="http://schemas.openxmlformats.org/markup-compatibility/2006" xmlns:a14="http://schemas.microsoft.com/office/drawing/2010/main">
+        <mc:Choice Requires="a14">
           <p:sp>
             <p:nvSpPr>
               <p:cNvPr id="6" name="フローチャート: 端子 5"/>
@@ -3563,7 +3563,7 @@
             </p:txBody>
           </p:sp>
         </mc:Choice>
-        <mc:Fallback>
+        <mc:Fallback xmlns="">
           <p:sp>
             <p:nvSpPr>
               <p:cNvPr id="6" name="フローチャート: 端子 5"/>
@@ -3607,8 +3607,8 @@
           </p:sp>
         </mc:Fallback>
       </mc:AlternateContent>
-      <mc:AlternateContent xmlns:mc="http://schemas.openxmlformats.org/markup-compatibility/2006">
-        <mc:Choice xmlns:a14="http://schemas.microsoft.com/office/drawing/2010/main" Requires="a14">
+      <mc:AlternateContent xmlns:mc="http://schemas.openxmlformats.org/markup-compatibility/2006" xmlns:a14="http://schemas.microsoft.com/office/drawing/2010/main">
+        <mc:Choice Requires="a14">
           <p:sp>
             <p:nvSpPr>
               <p:cNvPr id="8" name="フローチャート: 処理 7"/>
@@ -3715,18 +3715,7 @@
                         <a:ea typeface="Cambria Math" charset="0"/>
                         <a:cs typeface="Cambria Math" charset="0"/>
                       </a:rPr>
-                      <m:t>𝑖𝑛</m:t>
-                    </m:r>
-                    <m:r>
-                      <a:rPr lang="en-US" altLang="ja-JP" sz="1000" b="0" i="1" baseline="-25000" smtClean="0">
-                        <a:solidFill>
-                          <a:srgbClr val="333333"/>
-                        </a:solidFill>
-                        <a:latin typeface="Cambria Math" charset="0"/>
-                        <a:ea typeface="Cambria Math" charset="0"/>
-                        <a:cs typeface="Cambria Math" charset="0"/>
-                      </a:rPr>
-                      <m:t>𝑡</m:t>
+                      <m:t>𝑖𝑛𝑡</m:t>
                     </m:r>
                   </m:oMath>
                 </a14:m>
@@ -3764,7 +3753,7 @@
             </p:txBody>
           </p:sp>
         </mc:Choice>
-        <mc:Fallback>
+        <mc:Fallback xmlns="">
           <p:sp>
             <p:nvSpPr>
               <p:cNvPr id="8" name="フローチャート: 処理 7"/>
@@ -4074,7 +4063,7 @@
                         <a:ea typeface="Cambria Math" charset="0"/>
                         <a:cs typeface="Cambria Math" charset="0"/>
                       </a:rPr>
-                      <m:t> </m:t>
+                      <m:t> ∉ </m:t>
                     </m:r>
                     <m:r>
                       <a:rPr lang="en-US" altLang="ja-JP" sz="1050" b="0" i="1" smtClean="0">
@@ -4085,29 +4074,7 @@
                         <a:ea typeface="Cambria Math" charset="0"/>
                         <a:cs typeface="Cambria Math" charset="0"/>
                       </a:rPr>
-                      <m:t>∉ </m:t>
-                    </m:r>
-                    <m:r>
-                      <a:rPr lang="en-US" altLang="ja-JP" sz="1050" b="0" i="1" smtClean="0">
-                        <a:solidFill>
-                          <a:srgbClr val="333333"/>
-                        </a:solidFill>
-                        <a:latin typeface="Cambria Math" charset="0"/>
-                        <a:ea typeface="Cambria Math" charset="0"/>
-                        <a:cs typeface="Cambria Math" charset="0"/>
-                      </a:rPr>
-                      <m:t>𝑊𝑖𝑛</m:t>
-                    </m:r>
-                    <m:r>
-                      <a:rPr lang="en-US" altLang="ja-JP" sz="1050" b="0" i="1" baseline="-25000" smtClean="0">
-                        <a:solidFill>
-                          <a:srgbClr val="333333"/>
-                        </a:solidFill>
-                        <a:latin typeface="Cambria Math" charset="0"/>
-                        <a:ea typeface="Cambria Math" charset="0"/>
-                        <a:cs typeface="Cambria Math" charset="0"/>
-                      </a:rPr>
-                      <m:t>𝑡</m:t>
+                      <m:t>𝑊𝑖𝑛𝑡</m:t>
                     </m:r>
                   </m:oMath>
                 </a14:m>
@@ -4850,8 +4817,8 @@
             </a:p>
           </p:txBody>
         </p:sp>
-        <mc:AlternateContent xmlns:mc="http://schemas.openxmlformats.org/markup-compatibility/2006">
-          <mc:Choice xmlns:a14="http://schemas.microsoft.com/office/drawing/2010/main" Requires="a14">
+        <mc:AlternateContent xmlns:mc="http://schemas.openxmlformats.org/markup-compatibility/2006" xmlns:a14="http://schemas.microsoft.com/office/drawing/2010/main">
+          <mc:Choice Requires="a14">
             <p:sp>
               <p:nvSpPr>
                 <p:cNvPr id="94" name="テキスト ボックス 93"/>
@@ -4927,18 +4894,7 @@
                       <a:ea typeface="Cambria Math" charset="0"/>
                       <a:cs typeface="Cambria Math" charset="0"/>
                     </a:rPr>
-                    <a:t>in</a:t>
-                  </a:r>
-                  <a:r>
-                    <a:rPr lang="en-US" altLang="ja-JP" sz="1000" i="1" baseline="-25000" dirty="0" smtClean="0">
-                      <a:solidFill>
-                        <a:srgbClr val="333333"/>
-                      </a:solidFill>
-                      <a:latin typeface="Cambria Math" charset="0"/>
-                      <a:ea typeface="Cambria Math" charset="0"/>
-                      <a:cs typeface="Cambria Math" charset="0"/>
-                    </a:rPr>
-                    <a:t>t</a:t>
+                    <a:t>int</a:t>
                   </a:r>
                   <a:r>
                     <a:rPr lang="en-US" altLang="ja-JP" sz="1000" i="1" baseline="-25000" dirty="0">
@@ -5137,7 +5093,7 @@
               </p:txBody>
             </p:sp>
           </mc:Choice>
-          <mc:Fallback>
+          <mc:Fallback xmlns="">
             <p:sp>
               <p:nvSpPr>
                 <p:cNvPr id="94" name="テキスト ボックス 93"/>
@@ -5336,8 +5292,8 @@
             </a:p>
           </p:txBody>
         </p:sp>
-        <mc:AlternateContent xmlns:mc="http://schemas.openxmlformats.org/markup-compatibility/2006">
-          <mc:Choice xmlns:a14="http://schemas.microsoft.com/office/drawing/2010/main" Requires="a14">
+        <mc:AlternateContent xmlns:mc="http://schemas.openxmlformats.org/markup-compatibility/2006" xmlns:a14="http://schemas.microsoft.com/office/drawing/2010/main">
+          <mc:Choice Requires="a14">
             <p:sp>
               <p:nvSpPr>
                 <p:cNvPr id="2" name="テキスト ボックス 1"/>
@@ -5419,7 +5375,7 @@
               </p:txBody>
             </p:sp>
           </mc:Choice>
-          <mc:Fallback>
+          <mc:Fallback xmlns="">
             <p:sp>
               <p:nvSpPr>
                 <p:cNvPr id="2" name="テキスト ボックス 1"/>
